--- a/EduResources/PrezentacjaInżynieria1.pptx
+++ b/EduResources/PrezentacjaInżynieria1.pptx
@@ -9,6 +9,11 @@
     <p:sldId id="257" r:id="rId3"/>
     <p:sldId id="258" r:id="rId4"/>
     <p:sldId id="259" r:id="rId5"/>
+    <p:sldId id="260" r:id="rId6"/>
+    <p:sldId id="261" r:id="rId7"/>
+    <p:sldId id="262" r:id="rId8"/>
+    <p:sldId id="263" r:id="rId9"/>
+    <p:sldId id="264" r:id="rId10"/>
   </p:sldIdLst>
   <p:sldSz cx="12192000" cy="6858000"/>
   <p:notesSz cx="6858000" cy="9144000"/>
@@ -107,6 +112,11 @@
       </a:defRPr>
     </a:lvl9pPr>
   </p:defaultTextStyle>
+  <p:extLst>
+    <p:ext uri="{EFAFB233-063F-42B5-8137-9DF3F51BA10A}">
+      <p15:sldGuideLst xmlns:p15="http://schemas.microsoft.com/office/powerpoint/2012/main"/>
+    </p:ext>
+  </p:extLst>
 </p:presentation>
 </file>
 
@@ -280,7 +290,7 @@
             <a:fld id="{87DE6118-2437-4B30-8E3C-4D2BE6020583}" type="datetimeFigureOut">
               <a:rPr lang="en-US" dirty="0"/>
               <a:pPr/>
-              <a:t>10/23/22</a:t>
+              <a:t>10/25/22</a:t>
             </a:fld>
             <a:endParaRPr lang="en-US" dirty="0"/>
           </a:p>
@@ -606,7 +616,7 @@
           <a:p>
             <a:fld id="{87DE6118-2437-4B30-8E3C-4D2BE6020583}" type="datetimeFigureOut">
               <a:rPr lang="en-US" dirty="0"/>
-              <a:t>10/23/22</a:t>
+              <a:t>10/25/22</a:t>
             </a:fld>
             <a:endParaRPr lang="en-US" dirty="0"/>
           </a:p>
@@ -781,7 +791,7 @@
           <a:p>
             <a:fld id="{87DE6118-2437-4B30-8E3C-4D2BE6020583}" type="datetimeFigureOut">
               <a:rPr lang="en-US" dirty="0"/>
-              <a:t>10/23/22</a:t>
+              <a:t>10/25/22</a:t>
             </a:fld>
             <a:endParaRPr lang="en-US" dirty="0"/>
           </a:p>
@@ -946,7 +956,7 @@
           <a:p>
             <a:fld id="{87DE6118-2437-4B30-8E3C-4D2BE6020583}" type="datetimeFigureOut">
               <a:rPr lang="en-US" dirty="0"/>
-              <a:t>10/23/22</a:t>
+              <a:t>10/25/22</a:t>
             </a:fld>
             <a:endParaRPr lang="en-US" dirty="0"/>
           </a:p>
@@ -1219,7 +1229,7 @@
             <a:fld id="{87DE6118-2437-4B30-8E3C-4D2BE6020583}" type="datetimeFigureOut">
               <a:rPr lang="en-US" dirty="0"/>
               <a:pPr/>
-              <a:t>10/23/22</a:t>
+              <a:t>10/25/22</a:t>
             </a:fld>
             <a:endParaRPr lang="en-US" dirty="0"/>
           </a:p>
@@ -1609,7 +1619,7 @@
           <a:p>
             <a:fld id="{87DE6118-2437-4B30-8E3C-4D2BE6020583}" type="datetimeFigureOut">
               <a:rPr lang="en-US" dirty="0"/>
-              <a:t>10/23/22</a:t>
+              <a:t>10/25/22</a:t>
             </a:fld>
             <a:endParaRPr lang="en-US" dirty="0"/>
           </a:p>
@@ -2081,7 +2091,7 @@
           <a:p>
             <a:fld id="{87DE6118-2437-4B30-8E3C-4D2BE6020583}" type="datetimeFigureOut">
               <a:rPr lang="en-US" dirty="0"/>
-              <a:t>10/23/22</a:t>
+              <a:t>10/25/22</a:t>
             </a:fld>
             <a:endParaRPr lang="en-US" dirty="0"/>
           </a:p>
@@ -2194,7 +2204,7 @@
           <a:p>
             <a:fld id="{87DE6118-2437-4B30-8E3C-4D2BE6020583}" type="datetimeFigureOut">
               <a:rPr lang="en-US" dirty="0"/>
-              <a:t>10/23/22</a:t>
+              <a:t>10/25/22</a:t>
             </a:fld>
             <a:endParaRPr lang="en-US" dirty="0"/>
           </a:p>
@@ -2284,7 +2294,7 @@
           <a:p>
             <a:fld id="{87DE6118-2437-4B30-8E3C-4D2BE6020583}" type="datetimeFigureOut">
               <a:rPr lang="en-US" dirty="0"/>
-              <a:t>10/23/22</a:t>
+              <a:t>10/25/22</a:t>
             </a:fld>
             <a:endParaRPr lang="en-US" dirty="0"/>
           </a:p>
@@ -2626,7 +2636,7 @@
             <a:fld id="{87DE6118-2437-4B30-8E3C-4D2BE6020583}" type="datetimeFigureOut">
               <a:rPr lang="en-US" dirty="0"/>
               <a:pPr/>
-              <a:t>10/23/22</a:t>
+              <a:t>10/25/22</a:t>
             </a:fld>
             <a:endParaRPr lang="en-US" dirty="0"/>
           </a:p>
@@ -3011,7 +3021,7 @@
             <a:fld id="{87DE6118-2437-4B30-8E3C-4D2BE6020583}" type="datetimeFigureOut">
               <a:rPr lang="en-US" dirty="0"/>
               <a:pPr/>
-              <a:t>10/23/22</a:t>
+              <a:t>10/25/22</a:t>
             </a:fld>
             <a:endParaRPr lang="en-US" dirty="0"/>
           </a:p>
@@ -3286,7 +3296,7 @@
             <a:fld id="{87DE6118-2437-4B30-8E3C-4D2BE6020583}" type="datetimeFigureOut">
               <a:rPr lang="en-US" dirty="0"/>
               <a:pPr/>
-              <a:t>10/23/22</a:t>
+              <a:t>10/25/22</a:t>
             </a:fld>
             <a:endParaRPr lang="en-US" dirty="0"/>
           </a:p>
@@ -3932,26 +3942,41 @@
           <a:p>
             <a:r>
               <a:rPr lang="pl-PL" dirty="0"/>
-              <a:t>Karol Błaszczak</a:t>
+              <a:t>Karol Błaszczak – Testy i dokumentacja</a:t>
             </a:r>
           </a:p>
           <a:p>
             <a:r>
               <a:rPr lang="pl-PL" dirty="0"/>
-              <a:t>Kacper Cienkosz</a:t>
-            </a:r>
+              <a:t>Kacper Cienkosz – </a:t>
+            </a:r>
+            <a:r>
+              <a:rPr lang="pl-PL" dirty="0" err="1"/>
+              <a:t>Backend</a:t>
+            </a:r>
+            <a:endParaRPr lang="pl-PL" dirty="0"/>
           </a:p>
           <a:p>
             <a:r>
               <a:rPr lang="pl-PL" dirty="0"/>
-              <a:t>Miłosz Dubiel</a:t>
-            </a:r>
+              <a:t>Miłosz Dubiel – </a:t>
+            </a:r>
+            <a:r>
+              <a:rPr lang="pl-PL" dirty="0" err="1"/>
+              <a:t>Frontend</a:t>
+            </a:r>
+            <a:endParaRPr lang="pl-PL" dirty="0"/>
           </a:p>
           <a:p>
             <a:r>
               <a:rPr lang="pl-PL" dirty="0"/>
-              <a:t>Krystian Sitarz</a:t>
-            </a:r>
+              <a:t>Krystian Sitarz – </a:t>
+            </a:r>
+            <a:r>
+              <a:rPr lang="pl-PL" dirty="0" err="1"/>
+              <a:t>Frontend</a:t>
+            </a:r>
+            <a:endParaRPr lang="pl-PL" dirty="0"/>
           </a:p>
         </p:txBody>
       </p:sp>
@@ -4070,6 +4095,17 @@
             </a:r>
             <a:endParaRPr lang="pl-PL" dirty="0"/>
           </a:p>
+          <a:p>
+            <a:r>
+              <a:rPr lang="pl-PL" dirty="0"/>
+              <a:t>Baza danych: </a:t>
+            </a:r>
+            <a:r>
+              <a:rPr lang="pl-PL" dirty="0" err="1"/>
+              <a:t>PostgreSQL</a:t>
+            </a:r>
+            <a:endParaRPr lang="pl-PL" dirty="0"/>
+          </a:p>
         </p:txBody>
       </p:sp>
     </p:spTree>
@@ -4123,7 +4159,10 @@
           <a:bodyPr/>
           <a:lstStyle/>
           <a:p>
-            <a:endParaRPr lang="pl-PL" dirty="0"/>
+            <a:r>
+              <a:rPr lang="pl-PL" dirty="0"/>
+              <a:t>Architektura systemu</a:t>
+            </a:r>
           </a:p>
         </p:txBody>
       </p:sp>
@@ -4148,7 +4187,10 @@
           <a:bodyPr/>
           <a:lstStyle/>
           <a:p>
-            <a:endParaRPr lang="pl-PL"/>
+            <a:r>
+              <a:rPr lang="pl-PL" dirty="0"/>
+              <a:t>Coś tam</a:t>
+            </a:r>
           </a:p>
         </p:txBody>
       </p:sp>
@@ -4156,6 +4198,483 @@
     <p:extLst>
       <p:ext uri="{BB962C8B-B14F-4D97-AF65-F5344CB8AC3E}">
         <p14:creationId xmlns:p14="http://schemas.microsoft.com/office/powerpoint/2010/main" val="4130181046"/>
+      </p:ext>
+    </p:extLst>
+  </p:cSld>
+  <p:clrMapOvr>
+    <a:masterClrMapping/>
+  </p:clrMapOvr>
+</p:sld>
+</file>
+
+<file path=ppt/slides/slide5.xml><?xml version="1.0" encoding="utf-8"?>
+<p:sld xmlns:a="http://schemas.openxmlformats.org/drawingml/2006/main" xmlns:r="http://schemas.openxmlformats.org/officeDocument/2006/relationships" xmlns:p="http://schemas.openxmlformats.org/presentationml/2006/main">
+  <p:cSld>
+    <p:spTree>
+      <p:nvGrpSpPr>
+        <p:cNvPr id="1" name=""/>
+        <p:cNvGrpSpPr/>
+        <p:nvPr/>
+      </p:nvGrpSpPr>
+      <p:grpSpPr>
+        <a:xfrm>
+          <a:off x="0" y="0"/>
+          <a:ext cx="0" cy="0"/>
+          <a:chOff x="0" y="0"/>
+          <a:chExt cx="0" cy="0"/>
+        </a:xfrm>
+      </p:grpSpPr>
+      <p:sp>
+        <p:nvSpPr>
+          <p:cNvPr id="2" name="Tytuł 1">
+            <a:extLst>
+              <a:ext uri="{FF2B5EF4-FFF2-40B4-BE49-F238E27FC236}">
+                <a16:creationId xmlns:a16="http://schemas.microsoft.com/office/drawing/2014/main" id="{9015BB00-3E75-A9D2-0A9C-49B22DEDFA9B}"/>
+              </a:ext>
+            </a:extLst>
+          </p:cNvPr>
+          <p:cNvSpPr>
+            <a:spLocks noGrp="1"/>
+          </p:cNvSpPr>
+          <p:nvPr>
+            <p:ph type="title"/>
+          </p:nvPr>
+        </p:nvSpPr>
+        <p:spPr/>
+        <p:txBody>
+          <a:bodyPr/>
+          <a:lstStyle/>
+          <a:p>
+            <a:r>
+              <a:rPr lang="pl-PL" dirty="0" err="1"/>
+              <a:t>Mock-up</a:t>
+            </a:r>
+            <a:r>
+              <a:rPr lang="pl-PL" dirty="0"/>
+              <a:t> interfejsu</a:t>
+            </a:r>
+          </a:p>
+        </p:txBody>
+      </p:sp>
+      <p:sp>
+        <p:nvSpPr>
+          <p:cNvPr id="3" name="Symbol zastępczy zawartości 2">
+            <a:extLst>
+              <a:ext uri="{FF2B5EF4-FFF2-40B4-BE49-F238E27FC236}">
+                <a16:creationId xmlns:a16="http://schemas.microsoft.com/office/drawing/2014/main" id="{7D54FB4A-45BB-8F32-C6C7-7779DF7E3B23}"/>
+              </a:ext>
+            </a:extLst>
+          </p:cNvPr>
+          <p:cNvSpPr>
+            <a:spLocks noGrp="1"/>
+          </p:cNvSpPr>
+          <p:nvPr>
+            <p:ph idx="1"/>
+          </p:nvPr>
+        </p:nvSpPr>
+        <p:spPr/>
+        <p:txBody>
+          <a:bodyPr/>
+          <a:lstStyle/>
+          <a:p>
+            <a:r>
+              <a:rPr lang="pl-PL" dirty="0"/>
+              <a:t>Miłosz zrobi</a:t>
+            </a:r>
+          </a:p>
+          <a:p>
+            <a:pPr marL="0" indent="0">
+              <a:buNone/>
+            </a:pPr>
+            <a:endParaRPr lang="pl-PL" dirty="0"/>
+          </a:p>
+        </p:txBody>
+      </p:sp>
+    </p:spTree>
+    <p:extLst>
+      <p:ext uri="{BB962C8B-B14F-4D97-AF65-F5344CB8AC3E}">
+        <p14:creationId xmlns:p14="http://schemas.microsoft.com/office/powerpoint/2010/main" val="1699539191"/>
+      </p:ext>
+    </p:extLst>
+  </p:cSld>
+  <p:clrMapOvr>
+    <a:masterClrMapping/>
+  </p:clrMapOvr>
+</p:sld>
+</file>
+
+<file path=ppt/slides/slide6.xml><?xml version="1.0" encoding="utf-8"?>
+<p:sld xmlns:a="http://schemas.openxmlformats.org/drawingml/2006/main" xmlns:r="http://schemas.openxmlformats.org/officeDocument/2006/relationships" xmlns:p="http://schemas.openxmlformats.org/presentationml/2006/main">
+  <p:cSld>
+    <p:spTree>
+      <p:nvGrpSpPr>
+        <p:cNvPr id="1" name=""/>
+        <p:cNvGrpSpPr/>
+        <p:nvPr/>
+      </p:nvGrpSpPr>
+      <p:grpSpPr>
+        <a:xfrm>
+          <a:off x="0" y="0"/>
+          <a:ext cx="0" cy="0"/>
+          <a:chOff x="0" y="0"/>
+          <a:chExt cx="0" cy="0"/>
+        </a:xfrm>
+      </p:grpSpPr>
+      <p:sp>
+        <p:nvSpPr>
+          <p:cNvPr id="2" name="Tytuł 1">
+            <a:extLst>
+              <a:ext uri="{FF2B5EF4-FFF2-40B4-BE49-F238E27FC236}">
+                <a16:creationId xmlns:a16="http://schemas.microsoft.com/office/drawing/2014/main" id="{145AD1C5-35B6-F791-F503-284FA62CB534}"/>
+              </a:ext>
+            </a:extLst>
+          </p:cNvPr>
+          <p:cNvSpPr>
+            <a:spLocks noGrp="1"/>
+          </p:cNvSpPr>
+          <p:nvPr>
+            <p:ph type="title"/>
+          </p:nvPr>
+        </p:nvSpPr>
+        <p:spPr/>
+        <p:txBody>
+          <a:bodyPr/>
+          <a:lstStyle/>
+          <a:p>
+            <a:r>
+              <a:rPr lang="pl-PL" dirty="0"/>
+              <a:t>Zewnętrzne API</a:t>
+            </a:r>
+          </a:p>
+        </p:txBody>
+      </p:sp>
+      <p:sp>
+        <p:nvSpPr>
+          <p:cNvPr id="3" name="Symbol zastępczy zawartości 2">
+            <a:extLst>
+              <a:ext uri="{FF2B5EF4-FFF2-40B4-BE49-F238E27FC236}">
+                <a16:creationId xmlns:a16="http://schemas.microsoft.com/office/drawing/2014/main" id="{5610E362-AA38-A025-73E1-3FD9D4B78E10}"/>
+              </a:ext>
+            </a:extLst>
+          </p:cNvPr>
+          <p:cNvSpPr>
+            <a:spLocks noGrp="1"/>
+          </p:cNvSpPr>
+          <p:nvPr>
+            <p:ph idx="1"/>
+          </p:nvPr>
+        </p:nvSpPr>
+        <p:spPr/>
+        <p:txBody>
+          <a:bodyPr/>
+          <a:lstStyle/>
+          <a:p>
+            <a:r>
+              <a:rPr lang="pl-PL" dirty="0"/>
+              <a:t>Google </a:t>
+            </a:r>
+            <a:r>
+              <a:rPr lang="pl-PL" dirty="0" err="1"/>
+              <a:t>maps</a:t>
+            </a:r>
+            <a:r>
+              <a:rPr lang="pl-PL" dirty="0"/>
+              <a:t> API</a:t>
+            </a:r>
+          </a:p>
+          <a:p>
+            <a:r>
+              <a:rPr lang="pl-PL" dirty="0" err="1"/>
+              <a:t>Spotify</a:t>
+            </a:r>
+            <a:r>
+              <a:rPr lang="pl-PL" dirty="0"/>
+              <a:t> API (może)</a:t>
+            </a:r>
+          </a:p>
+          <a:p>
+            <a:r>
+              <a:rPr lang="pl-PL" dirty="0"/>
+              <a:t>Logowanie przez </a:t>
+            </a:r>
+            <a:r>
+              <a:rPr lang="pl-PL" dirty="0" err="1"/>
+              <a:t>google</a:t>
+            </a:r>
+            <a:r>
+              <a:rPr lang="pl-PL" dirty="0"/>
+              <a:t> (nawet nie wiem czy to </a:t>
+            </a:r>
+            <a:r>
+              <a:rPr lang="pl-PL" dirty="0" err="1"/>
+              <a:t>api</a:t>
+            </a:r>
+            <a:r>
+              <a:rPr lang="pl-PL" dirty="0"/>
+              <a:t>)</a:t>
+            </a:r>
+          </a:p>
+        </p:txBody>
+      </p:sp>
+    </p:spTree>
+    <p:extLst>
+      <p:ext uri="{BB962C8B-B14F-4D97-AF65-F5344CB8AC3E}">
+        <p14:creationId xmlns:p14="http://schemas.microsoft.com/office/powerpoint/2010/main" val="2171882902"/>
+      </p:ext>
+    </p:extLst>
+  </p:cSld>
+  <p:clrMapOvr>
+    <a:masterClrMapping/>
+  </p:clrMapOvr>
+</p:sld>
+</file>
+
+<file path=ppt/slides/slide7.xml><?xml version="1.0" encoding="utf-8"?>
+<p:sld xmlns:a="http://schemas.openxmlformats.org/drawingml/2006/main" xmlns:r="http://schemas.openxmlformats.org/officeDocument/2006/relationships" xmlns:p="http://schemas.openxmlformats.org/presentationml/2006/main">
+  <p:cSld>
+    <p:spTree>
+      <p:nvGrpSpPr>
+        <p:cNvPr id="1" name=""/>
+        <p:cNvGrpSpPr/>
+        <p:nvPr/>
+      </p:nvGrpSpPr>
+      <p:grpSpPr>
+        <a:xfrm>
+          <a:off x="0" y="0"/>
+          <a:ext cx="0" cy="0"/>
+          <a:chOff x="0" y="0"/>
+          <a:chExt cx="0" cy="0"/>
+        </a:xfrm>
+      </p:grpSpPr>
+      <p:sp>
+        <p:nvSpPr>
+          <p:cNvPr id="2" name="Tytuł 1">
+            <a:extLst>
+              <a:ext uri="{FF2B5EF4-FFF2-40B4-BE49-F238E27FC236}">
+                <a16:creationId xmlns:a16="http://schemas.microsoft.com/office/drawing/2014/main" id="{F987A124-548C-854D-C77B-5428BE95A5DB}"/>
+              </a:ext>
+            </a:extLst>
+          </p:cNvPr>
+          <p:cNvSpPr>
+            <a:spLocks noGrp="1"/>
+          </p:cNvSpPr>
+          <p:nvPr>
+            <p:ph type="title"/>
+          </p:nvPr>
+        </p:nvSpPr>
+        <p:spPr/>
+        <p:txBody>
+          <a:bodyPr/>
+          <a:lstStyle/>
+          <a:p>
+            <a:r>
+              <a:rPr lang="pl-PL" dirty="0"/>
+              <a:t>Use-cases</a:t>
+            </a:r>
+          </a:p>
+        </p:txBody>
+      </p:sp>
+      <p:sp>
+        <p:nvSpPr>
+          <p:cNvPr id="3" name="Symbol zastępczy zawartości 2">
+            <a:extLst>
+              <a:ext uri="{FF2B5EF4-FFF2-40B4-BE49-F238E27FC236}">
+                <a16:creationId xmlns:a16="http://schemas.microsoft.com/office/drawing/2014/main" id="{65E24542-8DB6-9C71-C3A0-860C7E1DDF8A}"/>
+              </a:ext>
+            </a:extLst>
+          </p:cNvPr>
+          <p:cNvSpPr>
+            <a:spLocks noGrp="1"/>
+          </p:cNvSpPr>
+          <p:nvPr>
+            <p:ph idx="1"/>
+          </p:nvPr>
+        </p:nvSpPr>
+        <p:spPr/>
+        <p:txBody>
+          <a:bodyPr/>
+          <a:lstStyle/>
+          <a:p>
+            <a:r>
+              <a:rPr lang="pl-PL" dirty="0"/>
+              <a:t>Diagram 1</a:t>
+            </a:r>
+          </a:p>
+        </p:txBody>
+      </p:sp>
+    </p:spTree>
+    <p:extLst>
+      <p:ext uri="{BB962C8B-B14F-4D97-AF65-F5344CB8AC3E}">
+        <p14:creationId xmlns:p14="http://schemas.microsoft.com/office/powerpoint/2010/main" val="2413161286"/>
+      </p:ext>
+    </p:extLst>
+  </p:cSld>
+  <p:clrMapOvr>
+    <a:masterClrMapping/>
+  </p:clrMapOvr>
+</p:sld>
+</file>
+
+<file path=ppt/slides/slide8.xml><?xml version="1.0" encoding="utf-8"?>
+<p:sld xmlns:a="http://schemas.openxmlformats.org/drawingml/2006/main" xmlns:r="http://schemas.openxmlformats.org/officeDocument/2006/relationships" xmlns:p="http://schemas.openxmlformats.org/presentationml/2006/main">
+  <p:cSld>
+    <p:spTree>
+      <p:nvGrpSpPr>
+        <p:cNvPr id="1" name=""/>
+        <p:cNvGrpSpPr/>
+        <p:nvPr/>
+      </p:nvGrpSpPr>
+      <p:grpSpPr>
+        <a:xfrm>
+          <a:off x="0" y="0"/>
+          <a:ext cx="0" cy="0"/>
+          <a:chOff x="0" y="0"/>
+          <a:chExt cx="0" cy="0"/>
+        </a:xfrm>
+      </p:grpSpPr>
+      <p:sp>
+        <p:nvSpPr>
+          <p:cNvPr id="2" name="Tytuł 1">
+            <a:extLst>
+              <a:ext uri="{FF2B5EF4-FFF2-40B4-BE49-F238E27FC236}">
+                <a16:creationId xmlns:a16="http://schemas.microsoft.com/office/drawing/2014/main" id="{9F4C87BC-747C-B6AB-EEE7-AE2B086226F6}"/>
+              </a:ext>
+            </a:extLst>
+          </p:cNvPr>
+          <p:cNvSpPr>
+            <a:spLocks noGrp="1"/>
+          </p:cNvSpPr>
+          <p:nvPr>
+            <p:ph type="title"/>
+          </p:nvPr>
+        </p:nvSpPr>
+        <p:spPr/>
+        <p:txBody>
+          <a:bodyPr/>
+          <a:lstStyle/>
+          <a:p>
+            <a:r>
+              <a:rPr lang="pl-PL" dirty="0"/>
+              <a:t>Use-cases</a:t>
+            </a:r>
+          </a:p>
+        </p:txBody>
+      </p:sp>
+      <p:sp>
+        <p:nvSpPr>
+          <p:cNvPr id="3" name="Symbol zastępczy zawartości 2">
+            <a:extLst>
+              <a:ext uri="{FF2B5EF4-FFF2-40B4-BE49-F238E27FC236}">
+                <a16:creationId xmlns:a16="http://schemas.microsoft.com/office/drawing/2014/main" id="{2DA43348-B8CF-4807-CD7C-C1584049ADC3}"/>
+              </a:ext>
+            </a:extLst>
+          </p:cNvPr>
+          <p:cNvSpPr>
+            <a:spLocks noGrp="1"/>
+          </p:cNvSpPr>
+          <p:nvPr>
+            <p:ph idx="1"/>
+          </p:nvPr>
+        </p:nvSpPr>
+        <p:spPr/>
+        <p:txBody>
+          <a:bodyPr/>
+          <a:lstStyle/>
+          <a:p>
+            <a:r>
+              <a:rPr lang="pl-PL" dirty="0"/>
+              <a:t>Diagram 2</a:t>
+            </a:r>
+          </a:p>
+        </p:txBody>
+      </p:sp>
+    </p:spTree>
+    <p:extLst>
+      <p:ext uri="{BB962C8B-B14F-4D97-AF65-F5344CB8AC3E}">
+        <p14:creationId xmlns:p14="http://schemas.microsoft.com/office/powerpoint/2010/main" val="2204509972"/>
+      </p:ext>
+    </p:extLst>
+  </p:cSld>
+  <p:clrMapOvr>
+    <a:masterClrMapping/>
+  </p:clrMapOvr>
+</p:sld>
+</file>
+
+<file path=ppt/slides/slide9.xml><?xml version="1.0" encoding="utf-8"?>
+<p:sld xmlns:a="http://schemas.openxmlformats.org/drawingml/2006/main" xmlns:r="http://schemas.openxmlformats.org/officeDocument/2006/relationships" xmlns:p="http://schemas.openxmlformats.org/presentationml/2006/main">
+  <p:cSld>
+    <p:spTree>
+      <p:nvGrpSpPr>
+        <p:cNvPr id="1" name=""/>
+        <p:cNvGrpSpPr/>
+        <p:nvPr/>
+      </p:nvGrpSpPr>
+      <p:grpSpPr>
+        <a:xfrm>
+          <a:off x="0" y="0"/>
+          <a:ext cx="0" cy="0"/>
+          <a:chOff x="0" y="0"/>
+          <a:chExt cx="0" cy="0"/>
+        </a:xfrm>
+      </p:grpSpPr>
+      <p:sp>
+        <p:nvSpPr>
+          <p:cNvPr id="2" name="Tytuł 1">
+            <a:extLst>
+              <a:ext uri="{FF2B5EF4-FFF2-40B4-BE49-F238E27FC236}">
+                <a16:creationId xmlns:a16="http://schemas.microsoft.com/office/drawing/2014/main" id="{BB609AEE-CF96-9152-4B9E-E56298827B94}"/>
+              </a:ext>
+            </a:extLst>
+          </p:cNvPr>
+          <p:cNvSpPr>
+            <a:spLocks noGrp="1"/>
+          </p:cNvSpPr>
+          <p:nvPr>
+            <p:ph type="title"/>
+          </p:nvPr>
+        </p:nvSpPr>
+        <p:spPr/>
+        <p:txBody>
+          <a:bodyPr/>
+          <a:lstStyle/>
+          <a:p>
+            <a:r>
+              <a:rPr lang="pl-PL"/>
+              <a:t>Analiza ryzyka</a:t>
+            </a:r>
+          </a:p>
+        </p:txBody>
+      </p:sp>
+      <p:sp>
+        <p:nvSpPr>
+          <p:cNvPr id="3" name="Symbol zastępczy zawartości 2">
+            <a:extLst>
+              <a:ext uri="{FF2B5EF4-FFF2-40B4-BE49-F238E27FC236}">
+                <a16:creationId xmlns:a16="http://schemas.microsoft.com/office/drawing/2014/main" id="{EC1AAABE-75F6-9818-7C34-A032025831D7}"/>
+              </a:ext>
+            </a:extLst>
+          </p:cNvPr>
+          <p:cNvSpPr>
+            <a:spLocks noGrp="1"/>
+          </p:cNvSpPr>
+          <p:nvPr>
+            <p:ph idx="1"/>
+          </p:nvPr>
+        </p:nvSpPr>
+        <p:spPr/>
+        <p:txBody>
+          <a:bodyPr/>
+          <a:lstStyle/>
+          <a:p>
+            <a:endParaRPr lang="pl-PL"/>
+          </a:p>
+        </p:txBody>
+      </p:sp>
+    </p:spTree>
+    <p:extLst>
+      <p:ext uri="{BB962C8B-B14F-4D97-AF65-F5344CB8AC3E}">
+        <p14:creationId xmlns:p14="http://schemas.microsoft.com/office/powerpoint/2010/main" val="755169699"/>
       </p:ext>
     </p:extLst>
   </p:cSld>

--- a/EduResources/PrezentacjaInżynieria1.pptx
+++ b/EduResources/PrezentacjaInżynieria1.pptx
@@ -9,11 +9,13 @@
     <p:sldId id="257" r:id="rId3"/>
     <p:sldId id="258" r:id="rId4"/>
     <p:sldId id="259" r:id="rId5"/>
-    <p:sldId id="260" r:id="rId6"/>
-    <p:sldId id="261" r:id="rId7"/>
-    <p:sldId id="262" r:id="rId8"/>
-    <p:sldId id="263" r:id="rId9"/>
-    <p:sldId id="264" r:id="rId10"/>
+    <p:sldId id="265" r:id="rId6"/>
+    <p:sldId id="266" r:id="rId7"/>
+    <p:sldId id="261" r:id="rId8"/>
+    <p:sldId id="262" r:id="rId9"/>
+    <p:sldId id="263" r:id="rId10"/>
+    <p:sldId id="264" r:id="rId11"/>
+    <p:sldId id="267" r:id="rId12"/>
   </p:sldIdLst>
   <p:sldSz cx="12192000" cy="6858000"/>
   <p:notesSz cx="6858000" cy="9144000"/>
@@ -3874,6 +3876,710 @@
 </p:sld>
 </file>
 
+<file path=ppt/slides/slide10.xml><?xml version="1.0" encoding="utf-8"?>
+<p:sld xmlns:a="http://schemas.openxmlformats.org/drawingml/2006/main" xmlns:r="http://schemas.openxmlformats.org/officeDocument/2006/relationships" xmlns:p="http://schemas.openxmlformats.org/presentationml/2006/main">
+  <p:cSld>
+    <p:spTree>
+      <p:nvGrpSpPr>
+        <p:cNvPr id="1" name=""/>
+        <p:cNvGrpSpPr/>
+        <p:nvPr/>
+      </p:nvGrpSpPr>
+      <p:grpSpPr>
+        <a:xfrm>
+          <a:off x="0" y="0"/>
+          <a:ext cx="0" cy="0"/>
+          <a:chOff x="0" y="0"/>
+          <a:chExt cx="0" cy="0"/>
+        </a:xfrm>
+      </p:grpSpPr>
+      <p:sp>
+        <p:nvSpPr>
+          <p:cNvPr id="2" name="Tytuł 1">
+            <a:extLst>
+              <a:ext uri="{FF2B5EF4-FFF2-40B4-BE49-F238E27FC236}">
+                <a16:creationId xmlns:a16="http://schemas.microsoft.com/office/drawing/2014/main" id="{BB609AEE-CF96-9152-4B9E-E56298827B94}"/>
+              </a:ext>
+            </a:extLst>
+          </p:cNvPr>
+          <p:cNvSpPr>
+            <a:spLocks noGrp="1"/>
+          </p:cNvSpPr>
+          <p:nvPr>
+            <p:ph type="title"/>
+          </p:nvPr>
+        </p:nvSpPr>
+        <p:spPr/>
+        <p:txBody>
+          <a:bodyPr/>
+          <a:lstStyle/>
+          <a:p>
+            <a:r>
+              <a:rPr lang="pl-PL" dirty="0"/>
+              <a:t>Analiza ryzyka – Analiza SWOT</a:t>
+            </a:r>
+            <a:br>
+              <a:rPr lang="pl-PL" dirty="0"/>
+            </a:br>
+            <a:r>
+              <a:rPr lang="pl-PL" sz="3200" dirty="0"/>
+              <a:t>WEAKNESSES</a:t>
+            </a:r>
+          </a:p>
+        </p:txBody>
+      </p:sp>
+      <p:graphicFrame>
+        <p:nvGraphicFramePr>
+          <p:cNvPr id="4" name="Tabela 4">
+            <a:extLst>
+              <a:ext uri="{FF2B5EF4-FFF2-40B4-BE49-F238E27FC236}">
+                <a16:creationId xmlns:a16="http://schemas.microsoft.com/office/drawing/2014/main" id="{312A476F-B47C-743C-7D48-D88F5BA7379E}"/>
+              </a:ext>
+            </a:extLst>
+          </p:cNvPr>
+          <p:cNvGraphicFramePr>
+            <a:graphicFrameLocks noGrp="1"/>
+          </p:cNvGraphicFramePr>
+          <p:nvPr>
+            <p:ph idx="1"/>
+            <p:extLst>
+              <p:ext uri="{D42A27DB-BD31-4B8C-83A1-F6EECF244321}">
+                <p14:modId xmlns:p14="http://schemas.microsoft.com/office/powerpoint/2010/main" val="3992356187"/>
+              </p:ext>
+            </p:extLst>
+          </p:nvPr>
+        </p:nvGraphicFramePr>
+        <p:xfrm>
+          <a:off x="1371600" y="2286000"/>
+          <a:ext cx="9601200" cy="3662680"/>
+        </p:xfrm>
+        <a:graphic>
+          <a:graphicData uri="http://schemas.openxmlformats.org/drawingml/2006/table">
+            <a:tbl>
+              <a:tblPr firstRow="1" bandRow="1">
+                <a:tableStyleId>{F5AB1C69-6EDB-4FF4-983F-18BD219EF322}</a:tableStyleId>
+              </a:tblPr>
+              <a:tblGrid>
+                <a:gridCol w="2400300">
+                  <a:extLst>
+                    <a:ext uri="{9D8B030D-6E8A-4147-A177-3AD203B41FA5}">
+                      <a16:colId xmlns:a16="http://schemas.microsoft.com/office/drawing/2014/main" val="2195847837"/>
+                    </a:ext>
+                  </a:extLst>
+                </a:gridCol>
+                <a:gridCol w="2400300">
+                  <a:extLst>
+                    <a:ext uri="{9D8B030D-6E8A-4147-A177-3AD203B41FA5}">
+                      <a16:colId xmlns:a16="http://schemas.microsoft.com/office/drawing/2014/main" val="3923361266"/>
+                    </a:ext>
+                  </a:extLst>
+                </a:gridCol>
+                <a:gridCol w="2400300">
+                  <a:extLst>
+                    <a:ext uri="{9D8B030D-6E8A-4147-A177-3AD203B41FA5}">
+                      <a16:colId xmlns:a16="http://schemas.microsoft.com/office/drawing/2014/main" val="300930123"/>
+                    </a:ext>
+                  </a:extLst>
+                </a:gridCol>
+                <a:gridCol w="2400300">
+                  <a:extLst>
+                    <a:ext uri="{9D8B030D-6E8A-4147-A177-3AD203B41FA5}">
+                      <a16:colId xmlns:a16="http://schemas.microsoft.com/office/drawing/2014/main" val="1086822963"/>
+                    </a:ext>
+                  </a:extLst>
+                </a:gridCol>
+              </a:tblGrid>
+              <a:tr h="370840">
+                <a:tc>
+                  <a:txBody>
+                    <a:bodyPr/>
+                    <a:lstStyle/>
+                    <a:p>
+                      <a:pPr algn="l"/>
+                      <a:r>
+                        <a:rPr lang="pl-PL" dirty="0"/>
+                        <a:t>Słabości</a:t>
+                      </a:r>
+                    </a:p>
+                  </a:txBody>
+                  <a:tcPr/>
+                </a:tc>
+                <a:tc>
+                  <a:txBody>
+                    <a:bodyPr/>
+                    <a:lstStyle/>
+                    <a:p>
+                      <a:r>
+                        <a:rPr lang="pl-PL" dirty="0"/>
+                        <a:t>Prawdopodobieństwo</a:t>
+                      </a:r>
+                    </a:p>
+                  </a:txBody>
+                  <a:tcPr/>
+                </a:tc>
+                <a:tc>
+                  <a:txBody>
+                    <a:bodyPr/>
+                    <a:lstStyle/>
+                    <a:p>
+                      <a:pPr algn="l"/>
+                      <a:r>
+                        <a:rPr lang="pl-PL" dirty="0"/>
+                        <a:t>Wpływ</a:t>
+                      </a:r>
+                    </a:p>
+                  </a:txBody>
+                  <a:tcPr/>
+                </a:tc>
+                <a:tc>
+                  <a:txBody>
+                    <a:bodyPr/>
+                    <a:lstStyle/>
+                    <a:p>
+                      <a:r>
+                        <a:rPr lang="pl-PL" dirty="0"/>
+                        <a:t>Zapobieganie</a:t>
+                      </a:r>
+                    </a:p>
+                  </a:txBody>
+                  <a:tcPr/>
+                </a:tc>
+                <a:extLst>
+                  <a:ext uri="{0D108BD9-81ED-4DB2-BD59-A6C34878D82A}">
+                    <a16:rowId xmlns:a16="http://schemas.microsoft.com/office/drawing/2014/main" val="1984182635"/>
+                  </a:ext>
+                </a:extLst>
+              </a:tr>
+              <a:tr h="370840">
+                <a:tc>
+                  <a:txBody>
+                    <a:bodyPr/>
+                    <a:lstStyle/>
+                    <a:p>
+                      <a:r>
+                        <a:rPr lang="pl-PL" dirty="0"/>
+                        <a:t>Udział projektu w rynku jest niski</a:t>
+                      </a:r>
+                    </a:p>
+                  </a:txBody>
+                  <a:tcPr/>
+                </a:tc>
+                <a:tc>
+                  <a:txBody>
+                    <a:bodyPr/>
+                    <a:lstStyle/>
+                    <a:p>
+                      <a:r>
+                        <a:rPr lang="pl-PL" dirty="0"/>
+                        <a:t>Wysokie</a:t>
+                      </a:r>
+                    </a:p>
+                  </a:txBody>
+                  <a:tcPr/>
+                </a:tc>
+                <a:tc>
+                  <a:txBody>
+                    <a:bodyPr/>
+                    <a:lstStyle/>
+                    <a:p>
+                      <a:r>
+                        <a:rPr lang="pl-PL" dirty="0"/>
+                        <a:t>Wysoki</a:t>
+                      </a:r>
+                    </a:p>
+                  </a:txBody>
+                  <a:tcPr/>
+                </a:tc>
+                <a:tc>
+                  <a:txBody>
+                    <a:bodyPr/>
+                    <a:lstStyle/>
+                    <a:p>
+                      <a:r>
+                        <a:rPr lang="pl-PL" dirty="0"/>
+                        <a:t>Wymyślenie innowacyjnych rozwiązań</a:t>
+                      </a:r>
+                    </a:p>
+                  </a:txBody>
+                  <a:tcPr/>
+                </a:tc>
+                <a:extLst>
+                  <a:ext uri="{0D108BD9-81ED-4DB2-BD59-A6C34878D82A}">
+                    <a16:rowId xmlns:a16="http://schemas.microsoft.com/office/drawing/2014/main" val="3664398263"/>
+                  </a:ext>
+                </a:extLst>
+              </a:tr>
+              <a:tr h="370840">
+                <a:tc>
+                  <a:txBody>
+                    <a:bodyPr/>
+                    <a:lstStyle/>
+                    <a:p>
+                      <a:r>
+                        <a:rPr lang="pl-PL" dirty="0"/>
+                        <a:t>Umiarkowane doświadczenie grupy wykonawczej w projektach tego typu</a:t>
+                      </a:r>
+                    </a:p>
+                  </a:txBody>
+                  <a:tcPr/>
+                </a:tc>
+                <a:tc>
+                  <a:txBody>
+                    <a:bodyPr/>
+                    <a:lstStyle/>
+                    <a:p>
+                      <a:r>
+                        <a:rPr lang="pl-PL" dirty="0"/>
+                        <a:t>Pewne</a:t>
+                      </a:r>
+                    </a:p>
+                  </a:txBody>
+                  <a:tcPr/>
+                </a:tc>
+                <a:tc>
+                  <a:txBody>
+                    <a:bodyPr/>
+                    <a:lstStyle/>
+                    <a:p>
+                      <a:r>
+                        <a:rPr lang="pl-PL" dirty="0"/>
+                        <a:t>Bardzo wysoki</a:t>
+                      </a:r>
+                    </a:p>
+                  </a:txBody>
+                  <a:tcPr/>
+                </a:tc>
+                <a:tc>
+                  <a:txBody>
+                    <a:bodyPr/>
+                    <a:lstStyle/>
+                    <a:p>
+                      <a:r>
+                        <a:rPr lang="pl-PL" dirty="0"/>
+                        <a:t>Szybkie </a:t>
+                      </a:r>
+                      <a:r>
+                        <a:rPr lang="pl-PL" dirty="0" err="1"/>
+                        <a:t>crash</a:t>
+                      </a:r>
+                      <a:r>
+                        <a:rPr lang="pl-PL" dirty="0"/>
+                        <a:t> </a:t>
+                      </a:r>
+                      <a:r>
+                        <a:rPr lang="pl-PL" dirty="0" err="1"/>
+                        <a:t>course’y</a:t>
+                      </a:r>
+                      <a:endParaRPr lang="pl-PL" dirty="0"/>
+                    </a:p>
+                  </a:txBody>
+                  <a:tcPr/>
+                </a:tc>
+                <a:extLst>
+                  <a:ext uri="{0D108BD9-81ED-4DB2-BD59-A6C34878D82A}">
+                    <a16:rowId xmlns:a16="http://schemas.microsoft.com/office/drawing/2014/main" val="550270852"/>
+                  </a:ext>
+                </a:extLst>
+              </a:tr>
+              <a:tr h="370840">
+                <a:tc>
+                  <a:txBody>
+                    <a:bodyPr/>
+                    <a:lstStyle/>
+                    <a:p>
+                      <a:r>
+                        <a:rPr lang="pl-PL" dirty="0"/>
+                        <a:t>Brak motywacji</a:t>
+                      </a:r>
+                    </a:p>
+                  </a:txBody>
+                  <a:tcPr/>
+                </a:tc>
+                <a:tc>
+                  <a:txBody>
+                    <a:bodyPr/>
+                    <a:lstStyle/>
+                    <a:p>
+                      <a:r>
+                        <a:rPr lang="pl-PL" dirty="0"/>
+                        <a:t>Bardzo wysokie</a:t>
+                      </a:r>
+                    </a:p>
+                  </a:txBody>
+                  <a:tcPr/>
+                </a:tc>
+                <a:tc>
+                  <a:txBody>
+                    <a:bodyPr/>
+                    <a:lstStyle/>
+                    <a:p>
+                      <a:r>
+                        <a:rPr lang="pl-PL" dirty="0"/>
+                        <a:t>Średni</a:t>
+                      </a:r>
+                    </a:p>
+                  </a:txBody>
+                  <a:tcPr/>
+                </a:tc>
+                <a:tc>
+                  <a:txBody>
+                    <a:bodyPr/>
+                    <a:lstStyle/>
+                    <a:p>
+                      <a:pPr algn="ctr"/>
+                      <a:r>
+                        <a:rPr lang="pl-PL" dirty="0"/>
+                        <a:t>Grupowa przerwa i spotkanie w celu oderwania się od prac projektowych</a:t>
+                      </a:r>
+                    </a:p>
+                  </a:txBody>
+                  <a:tcPr/>
+                </a:tc>
+                <a:extLst>
+                  <a:ext uri="{0D108BD9-81ED-4DB2-BD59-A6C34878D82A}">
+                    <a16:rowId xmlns:a16="http://schemas.microsoft.com/office/drawing/2014/main" val="505985397"/>
+                  </a:ext>
+                </a:extLst>
+              </a:tr>
+            </a:tbl>
+          </a:graphicData>
+        </a:graphic>
+      </p:graphicFrame>
+    </p:spTree>
+    <p:extLst>
+      <p:ext uri="{BB962C8B-B14F-4D97-AF65-F5344CB8AC3E}">
+        <p14:creationId xmlns:p14="http://schemas.microsoft.com/office/powerpoint/2010/main" val="755169699"/>
+      </p:ext>
+    </p:extLst>
+  </p:cSld>
+  <p:clrMapOvr>
+    <a:masterClrMapping/>
+  </p:clrMapOvr>
+</p:sld>
+</file>
+
+<file path=ppt/slides/slide11.xml><?xml version="1.0" encoding="utf-8"?>
+<p:sld xmlns:a="http://schemas.openxmlformats.org/drawingml/2006/main" xmlns:r="http://schemas.openxmlformats.org/officeDocument/2006/relationships" xmlns:p="http://schemas.openxmlformats.org/presentationml/2006/main">
+  <p:cSld>
+    <p:spTree>
+      <p:nvGrpSpPr>
+        <p:cNvPr id="1" name=""/>
+        <p:cNvGrpSpPr/>
+        <p:nvPr/>
+      </p:nvGrpSpPr>
+      <p:grpSpPr>
+        <a:xfrm>
+          <a:off x="0" y="0"/>
+          <a:ext cx="0" cy="0"/>
+          <a:chOff x="0" y="0"/>
+          <a:chExt cx="0" cy="0"/>
+        </a:xfrm>
+      </p:grpSpPr>
+      <p:sp>
+        <p:nvSpPr>
+          <p:cNvPr id="2" name="Tytuł 1">
+            <a:extLst>
+              <a:ext uri="{FF2B5EF4-FFF2-40B4-BE49-F238E27FC236}">
+                <a16:creationId xmlns:a16="http://schemas.microsoft.com/office/drawing/2014/main" id="{BB609AEE-CF96-9152-4B9E-E56298827B94}"/>
+              </a:ext>
+            </a:extLst>
+          </p:cNvPr>
+          <p:cNvSpPr>
+            <a:spLocks noGrp="1"/>
+          </p:cNvSpPr>
+          <p:nvPr>
+            <p:ph type="title"/>
+          </p:nvPr>
+        </p:nvSpPr>
+        <p:spPr/>
+        <p:txBody>
+          <a:bodyPr/>
+          <a:lstStyle/>
+          <a:p>
+            <a:r>
+              <a:rPr lang="pl-PL" dirty="0"/>
+              <a:t>Analiza ryzyka – Analiza SWOT</a:t>
+            </a:r>
+            <a:br>
+              <a:rPr lang="pl-PL" dirty="0"/>
+            </a:br>
+            <a:r>
+              <a:rPr lang="pl-PL" sz="3200" dirty="0"/>
+              <a:t>THREATS</a:t>
+            </a:r>
+          </a:p>
+        </p:txBody>
+      </p:sp>
+      <p:graphicFrame>
+        <p:nvGraphicFramePr>
+          <p:cNvPr id="4" name="Tabela 4">
+            <a:extLst>
+              <a:ext uri="{FF2B5EF4-FFF2-40B4-BE49-F238E27FC236}">
+                <a16:creationId xmlns:a16="http://schemas.microsoft.com/office/drawing/2014/main" id="{312A476F-B47C-743C-7D48-D88F5BA7379E}"/>
+              </a:ext>
+            </a:extLst>
+          </p:cNvPr>
+          <p:cNvGraphicFramePr>
+            <a:graphicFrameLocks noGrp="1"/>
+          </p:cNvGraphicFramePr>
+          <p:nvPr>
+            <p:ph idx="1"/>
+            <p:extLst>
+              <p:ext uri="{D42A27DB-BD31-4B8C-83A1-F6EECF244321}">
+                <p14:modId xmlns:p14="http://schemas.microsoft.com/office/powerpoint/2010/main" val="2544654361"/>
+              </p:ext>
+            </p:extLst>
+          </p:nvPr>
+        </p:nvGraphicFramePr>
+        <p:xfrm>
+          <a:off x="1371600" y="2286000"/>
+          <a:ext cx="9601200" cy="2199640"/>
+        </p:xfrm>
+        <a:graphic>
+          <a:graphicData uri="http://schemas.openxmlformats.org/drawingml/2006/table">
+            <a:tbl>
+              <a:tblPr firstRow="1" bandRow="1">
+                <a:tableStyleId>{F5AB1C69-6EDB-4FF4-983F-18BD219EF322}</a:tableStyleId>
+              </a:tblPr>
+              <a:tblGrid>
+                <a:gridCol w="2400300">
+                  <a:extLst>
+                    <a:ext uri="{9D8B030D-6E8A-4147-A177-3AD203B41FA5}">
+                      <a16:colId xmlns:a16="http://schemas.microsoft.com/office/drawing/2014/main" val="2195847837"/>
+                    </a:ext>
+                  </a:extLst>
+                </a:gridCol>
+                <a:gridCol w="2400300">
+                  <a:extLst>
+                    <a:ext uri="{9D8B030D-6E8A-4147-A177-3AD203B41FA5}">
+                      <a16:colId xmlns:a16="http://schemas.microsoft.com/office/drawing/2014/main" val="3923361266"/>
+                    </a:ext>
+                  </a:extLst>
+                </a:gridCol>
+                <a:gridCol w="2400300">
+                  <a:extLst>
+                    <a:ext uri="{9D8B030D-6E8A-4147-A177-3AD203B41FA5}">
+                      <a16:colId xmlns:a16="http://schemas.microsoft.com/office/drawing/2014/main" val="300930123"/>
+                    </a:ext>
+                  </a:extLst>
+                </a:gridCol>
+                <a:gridCol w="2400300">
+                  <a:extLst>
+                    <a:ext uri="{9D8B030D-6E8A-4147-A177-3AD203B41FA5}">
+                      <a16:colId xmlns:a16="http://schemas.microsoft.com/office/drawing/2014/main" val="1086822963"/>
+                    </a:ext>
+                  </a:extLst>
+                </a:gridCol>
+              </a:tblGrid>
+              <a:tr h="370840">
+                <a:tc>
+                  <a:txBody>
+                    <a:bodyPr/>
+                    <a:lstStyle/>
+                    <a:p>
+                      <a:pPr algn="l"/>
+                      <a:r>
+                        <a:rPr lang="pl-PL" dirty="0"/>
+                        <a:t>Zagrożenia</a:t>
+                      </a:r>
+                    </a:p>
+                  </a:txBody>
+                  <a:tcPr/>
+                </a:tc>
+                <a:tc>
+                  <a:txBody>
+                    <a:bodyPr/>
+                    <a:lstStyle/>
+                    <a:p>
+                      <a:r>
+                        <a:rPr lang="pl-PL" dirty="0"/>
+                        <a:t>Prawdopodobieństwo</a:t>
+                      </a:r>
+                    </a:p>
+                  </a:txBody>
+                  <a:tcPr/>
+                </a:tc>
+                <a:tc>
+                  <a:txBody>
+                    <a:bodyPr/>
+                    <a:lstStyle/>
+                    <a:p>
+                      <a:pPr algn="l"/>
+                      <a:r>
+                        <a:rPr lang="pl-PL" dirty="0"/>
+                        <a:t>Wpływ</a:t>
+                      </a:r>
+                    </a:p>
+                  </a:txBody>
+                  <a:tcPr/>
+                </a:tc>
+                <a:tc>
+                  <a:txBody>
+                    <a:bodyPr/>
+                    <a:lstStyle/>
+                    <a:p>
+                      <a:r>
+                        <a:rPr lang="pl-PL" dirty="0"/>
+                        <a:t>Zapobieganie</a:t>
+                      </a:r>
+                    </a:p>
+                  </a:txBody>
+                  <a:tcPr/>
+                </a:tc>
+                <a:extLst>
+                  <a:ext uri="{0D108BD9-81ED-4DB2-BD59-A6C34878D82A}">
+                    <a16:rowId xmlns:a16="http://schemas.microsoft.com/office/drawing/2014/main" val="1984182635"/>
+                  </a:ext>
+                </a:extLst>
+              </a:tr>
+              <a:tr h="370840">
+                <a:tc>
+                  <a:txBody>
+                    <a:bodyPr/>
+                    <a:lstStyle/>
+                    <a:p>
+                      <a:pPr algn="l"/>
+                      <a:r>
+                        <a:rPr lang="pl-PL" dirty="0"/>
+                        <a:t>Natłok innych zadań akademickich</a:t>
+                      </a:r>
+                    </a:p>
+                  </a:txBody>
+                  <a:tcPr/>
+                </a:tc>
+                <a:tc>
+                  <a:txBody>
+                    <a:bodyPr/>
+                    <a:lstStyle/>
+                    <a:p>
+                      <a:r>
+                        <a:rPr lang="pl-PL" dirty="0"/>
+                        <a:t>Wysokie</a:t>
+                      </a:r>
+                    </a:p>
+                  </a:txBody>
+                  <a:tcPr/>
+                </a:tc>
+                <a:tc>
+                  <a:txBody>
+                    <a:bodyPr/>
+                    <a:lstStyle/>
+                    <a:p>
+                      <a:r>
+                        <a:rPr lang="pl-PL" dirty="0"/>
+                        <a:t>Średni</a:t>
+                      </a:r>
+                    </a:p>
+                  </a:txBody>
+                  <a:tcPr/>
+                </a:tc>
+                <a:tc>
+                  <a:txBody>
+                    <a:bodyPr/>
+                    <a:lstStyle/>
+                    <a:p>
+                      <a:r>
+                        <a:rPr lang="pl-PL" dirty="0"/>
+                        <a:t>Ustalanie realistycznych </a:t>
+                      </a:r>
+                      <a:r>
+                        <a:rPr lang="pl-PL" dirty="0" err="1"/>
+                        <a:t>deadline’ów</a:t>
+                      </a:r>
+                      <a:endParaRPr lang="pl-PL" dirty="0"/>
+                    </a:p>
+                  </a:txBody>
+                  <a:tcPr/>
+                </a:tc>
+                <a:extLst>
+                  <a:ext uri="{0D108BD9-81ED-4DB2-BD59-A6C34878D82A}">
+                    <a16:rowId xmlns:a16="http://schemas.microsoft.com/office/drawing/2014/main" val="3664398263"/>
+                  </a:ext>
+                </a:extLst>
+              </a:tr>
+              <a:tr h="370840">
+                <a:tc>
+                  <a:txBody>
+                    <a:bodyPr/>
+                    <a:lstStyle/>
+                    <a:p>
+                      <a:pPr algn="l"/>
+                      <a:r>
+                        <a:rPr lang="pl-PL" dirty="0"/>
+                        <a:t>Choroba poszczególnych członków zespołu</a:t>
+                      </a:r>
+                    </a:p>
+                  </a:txBody>
+                  <a:tcPr/>
+                </a:tc>
+                <a:tc>
+                  <a:txBody>
+                    <a:bodyPr/>
+                    <a:lstStyle/>
+                    <a:p>
+                      <a:r>
+                        <a:rPr lang="pl-PL" dirty="0"/>
+                        <a:t>Średnie</a:t>
+                      </a:r>
+                    </a:p>
+                  </a:txBody>
+                  <a:tcPr/>
+                </a:tc>
+                <a:tc>
+                  <a:txBody>
+                    <a:bodyPr/>
+                    <a:lstStyle/>
+                    <a:p>
+                      <a:r>
+                        <a:rPr lang="pl-PL" dirty="0"/>
+                        <a:t>Średni</a:t>
+                      </a:r>
+                    </a:p>
+                  </a:txBody>
+                  <a:tcPr/>
+                </a:tc>
+                <a:tc>
+                  <a:txBody>
+                    <a:bodyPr/>
+                    <a:lstStyle/>
+                    <a:p>
+                      <a:pPr algn="l"/>
+                      <a:r>
+                        <a:rPr lang="pl-PL" dirty="0"/>
+                        <a:t>Reorganizacja pracy w celu spełnienia </a:t>
+                      </a:r>
+                      <a:r>
+                        <a:rPr lang="pl-PL" dirty="0" err="1"/>
+                        <a:t>deadline’ów</a:t>
+                      </a:r>
+                      <a:endParaRPr lang="pl-PL" dirty="0"/>
+                    </a:p>
+                  </a:txBody>
+                  <a:tcPr/>
+                </a:tc>
+                <a:extLst>
+                  <a:ext uri="{0D108BD9-81ED-4DB2-BD59-A6C34878D82A}">
+                    <a16:rowId xmlns:a16="http://schemas.microsoft.com/office/drawing/2014/main" val="550270852"/>
+                  </a:ext>
+                </a:extLst>
+              </a:tr>
+            </a:tbl>
+          </a:graphicData>
+        </a:graphic>
+      </p:graphicFrame>
+    </p:spTree>
+    <p:extLst>
+      <p:ext uri="{BB962C8B-B14F-4D97-AF65-F5344CB8AC3E}">
+        <p14:creationId xmlns:p14="http://schemas.microsoft.com/office/powerpoint/2010/main" val="2915046111"/>
+      </p:ext>
+    </p:extLst>
+  </p:cSld>
+  <p:clrMapOvr>
+    <a:masterClrMapping/>
+  </p:clrMapOvr>
+</p:sld>
+</file>
+
 <file path=ppt/slides/slide2.xml><?xml version="1.0" encoding="utf-8"?>
 <p:sld xmlns:a="http://schemas.openxmlformats.org/drawingml/2006/main" xmlns:r="http://schemas.openxmlformats.org/officeDocument/2006/relationships" xmlns:p="http://schemas.openxmlformats.org/presentationml/2006/main">
   <p:cSld>
@@ -3907,14 +4613,19 @@
             <p:ph type="title"/>
           </p:nvPr>
         </p:nvSpPr>
-        <p:spPr/>
+        <p:spPr>
+          <a:xfrm>
+            <a:off x="1371600" y="685800"/>
+            <a:ext cx="9601200" cy="1485900"/>
+          </a:xfrm>
+        </p:spPr>
         <p:txBody>
           <a:bodyPr/>
           <a:lstStyle/>
           <a:p>
             <a:r>
               <a:rPr lang="pl-PL" dirty="0"/>
-              <a:t>Członkowie grupy</a:t>
+              <a:t>Członkowie grupy i organizacja pracy</a:t>
             </a:r>
           </a:p>
         </p:txBody>
@@ -4189,7 +4900,7 @@
           <a:p>
             <a:r>
               <a:rPr lang="pl-PL" dirty="0"/>
-              <a:t>Coś tam</a:t>
+              <a:t>Krystian</a:t>
             </a:r>
           </a:p>
         </p:txBody>
@@ -4229,7 +4940,7 @@
           <p:cNvPr id="2" name="Tytuł 1">
             <a:extLst>
               <a:ext uri="{FF2B5EF4-FFF2-40B4-BE49-F238E27FC236}">
-                <a16:creationId xmlns:a16="http://schemas.microsoft.com/office/drawing/2014/main" id="{9015BB00-3E75-A9D2-0A9C-49B22DEDFA9B}"/>
+                <a16:creationId xmlns:a16="http://schemas.microsoft.com/office/drawing/2014/main" id="{2C736B9E-EB59-F3D8-9ABA-8502BF47C420}"/>
               </a:ext>
             </a:extLst>
           </p:cNvPr>
@@ -4256,44 +4967,39 @@
           </a:p>
         </p:txBody>
       </p:sp>
-      <p:sp>
-        <p:nvSpPr>
-          <p:cNvPr id="3" name="Symbol zastępczy zawartości 2">
+      <p:pic>
+        <p:nvPicPr>
+          <p:cNvPr id="7" name="Symbol zastępczy zawartości 6" descr="Obraz zawierający tekst&#10;&#10;Opis wygenerowany automatycznie">
             <a:extLst>
               <a:ext uri="{FF2B5EF4-FFF2-40B4-BE49-F238E27FC236}">
-                <a16:creationId xmlns:a16="http://schemas.microsoft.com/office/drawing/2014/main" id="{7D54FB4A-45BB-8F32-C6C7-7779DF7E3B23}"/>
+                <a16:creationId xmlns:a16="http://schemas.microsoft.com/office/drawing/2014/main" id="{900B9C12-3808-E30C-1352-1F6A1A987B45}"/>
               </a:ext>
             </a:extLst>
           </p:cNvPr>
-          <p:cNvSpPr>
-            <a:spLocks noGrp="1"/>
-          </p:cNvSpPr>
+          <p:cNvPicPr>
+            <a:picLocks noGrp="1" noChangeAspect="1"/>
+          </p:cNvPicPr>
           <p:nvPr>
             <p:ph idx="1"/>
           </p:nvPr>
-        </p:nvSpPr>
-        <p:spPr/>
-        <p:txBody>
-          <a:bodyPr/>
-          <a:lstStyle/>
-          <a:p>
-            <a:r>
-              <a:rPr lang="pl-PL" dirty="0"/>
-              <a:t>Miłosz zrobi</a:t>
-            </a:r>
-          </a:p>
-          <a:p>
-            <a:pPr marL="0" indent="0">
-              <a:buNone/>
-            </a:pPr>
-            <a:endParaRPr lang="pl-PL" dirty="0"/>
-          </a:p>
-        </p:txBody>
-      </p:sp>
+        </p:nvPicPr>
+        <p:blipFill>
+          <a:blip r:embed="rId2"/>
+          <a:stretch>
+            <a:fillRect/>
+          </a:stretch>
+        </p:blipFill>
+        <p:spPr>
+          <a:xfrm>
+            <a:off x="2079172" y="1567543"/>
+            <a:ext cx="8186056" cy="4604657"/>
+          </a:xfrm>
+        </p:spPr>
+      </p:pic>
     </p:spTree>
     <p:extLst>
       <p:ext uri="{BB962C8B-B14F-4D97-AF65-F5344CB8AC3E}">
-        <p14:creationId xmlns:p14="http://schemas.microsoft.com/office/powerpoint/2010/main" val="1699539191"/>
+        <p14:creationId xmlns:p14="http://schemas.microsoft.com/office/powerpoint/2010/main" val="4031847135"/>
       </p:ext>
     </p:extLst>
   </p:cSld>
@@ -4325,7 +5031,7 @@
           <p:cNvPr id="2" name="Tytuł 1">
             <a:extLst>
               <a:ext uri="{FF2B5EF4-FFF2-40B4-BE49-F238E27FC236}">
-                <a16:creationId xmlns:a16="http://schemas.microsoft.com/office/drawing/2014/main" id="{145AD1C5-35B6-F791-F503-284FA62CB534}"/>
+                <a16:creationId xmlns:a16="http://schemas.microsoft.com/office/drawing/2014/main" id="{2C736B9E-EB59-F3D8-9ABA-8502BF47C420}"/>
               </a:ext>
             </a:extLst>
           </p:cNvPr>
@@ -4342,84 +5048,48 @@
           <a:lstStyle/>
           <a:p>
             <a:r>
+              <a:rPr lang="pl-PL" dirty="0" err="1"/>
+              <a:t>Mock-up</a:t>
+            </a:r>
+            <a:r>
               <a:rPr lang="pl-PL" dirty="0"/>
-              <a:t>Zewnętrzne API</a:t>
-            </a:r>
-          </a:p>
-        </p:txBody>
-      </p:sp>
-      <p:sp>
-        <p:nvSpPr>
-          <p:cNvPr id="3" name="Symbol zastępczy zawartości 2">
+              <a:t> interfejsu</a:t>
+            </a:r>
+          </a:p>
+        </p:txBody>
+      </p:sp>
+      <p:pic>
+        <p:nvPicPr>
+          <p:cNvPr id="7" name="Symbol zastępczy zawartości 6">
             <a:extLst>
               <a:ext uri="{FF2B5EF4-FFF2-40B4-BE49-F238E27FC236}">
-                <a16:creationId xmlns:a16="http://schemas.microsoft.com/office/drawing/2014/main" id="{5610E362-AA38-A025-73E1-3FD9D4B78E10}"/>
+                <a16:creationId xmlns:a16="http://schemas.microsoft.com/office/drawing/2014/main" id="{900B9C12-3808-E30C-1352-1F6A1A987B45}"/>
               </a:ext>
             </a:extLst>
           </p:cNvPr>
-          <p:cNvSpPr>
-            <a:spLocks noGrp="1"/>
-          </p:cNvSpPr>
+          <p:cNvPicPr>
+            <a:picLocks noGrp="1" noChangeAspect="1"/>
+          </p:cNvPicPr>
           <p:nvPr>
             <p:ph idx="1"/>
           </p:nvPr>
-        </p:nvSpPr>
-        <p:spPr/>
-        <p:txBody>
-          <a:bodyPr/>
-          <a:lstStyle/>
-          <a:p>
-            <a:r>
-              <a:rPr lang="pl-PL" dirty="0"/>
-              <a:t>Google </a:t>
-            </a:r>
-            <a:r>
-              <a:rPr lang="pl-PL" dirty="0" err="1"/>
-              <a:t>maps</a:t>
-            </a:r>
-            <a:r>
-              <a:rPr lang="pl-PL" dirty="0"/>
-              <a:t> API</a:t>
-            </a:r>
-          </a:p>
-          <a:p>
-            <a:r>
-              <a:rPr lang="pl-PL" dirty="0" err="1"/>
-              <a:t>Spotify</a:t>
-            </a:r>
-            <a:r>
-              <a:rPr lang="pl-PL" dirty="0"/>
-              <a:t> API (może)</a:t>
-            </a:r>
-          </a:p>
-          <a:p>
-            <a:r>
-              <a:rPr lang="pl-PL" dirty="0"/>
-              <a:t>Logowanie przez </a:t>
-            </a:r>
-            <a:r>
-              <a:rPr lang="pl-PL" dirty="0" err="1"/>
-              <a:t>google</a:t>
-            </a:r>
-            <a:r>
-              <a:rPr lang="pl-PL" dirty="0"/>
-              <a:t> (nawet nie wiem czy to </a:t>
-            </a:r>
-            <a:r>
-              <a:rPr lang="pl-PL" dirty="0" err="1"/>
-              <a:t>api</a:t>
-            </a:r>
-            <a:r>
-              <a:rPr lang="pl-PL" dirty="0"/>
-              <a:t>)</a:t>
-            </a:r>
-          </a:p>
-        </p:txBody>
-      </p:sp>
+        </p:nvPicPr>
+        <p:blipFill>
+          <a:blip r:embed="rId2"/>
+          <a:srcRect/>
+          <a:stretch/>
+        </p:blipFill>
+        <p:spPr>
+          <a:xfrm>
+            <a:off x="2079172" y="1567543"/>
+            <a:ext cx="8186056" cy="4604656"/>
+          </a:xfrm>
+        </p:spPr>
+      </p:pic>
     </p:spTree>
     <p:extLst>
       <p:ext uri="{BB962C8B-B14F-4D97-AF65-F5344CB8AC3E}">
-        <p14:creationId xmlns:p14="http://schemas.microsoft.com/office/powerpoint/2010/main" val="2171882902"/>
+        <p14:creationId xmlns:p14="http://schemas.microsoft.com/office/powerpoint/2010/main" val="182488285"/>
       </p:ext>
     </p:extLst>
   </p:cSld>
@@ -4451,7 +5121,7 @@
           <p:cNvPr id="2" name="Tytuł 1">
             <a:extLst>
               <a:ext uri="{FF2B5EF4-FFF2-40B4-BE49-F238E27FC236}">
-                <a16:creationId xmlns:a16="http://schemas.microsoft.com/office/drawing/2014/main" id="{F987A124-548C-854D-C77B-5428BE95A5DB}"/>
+                <a16:creationId xmlns:a16="http://schemas.microsoft.com/office/drawing/2014/main" id="{145AD1C5-35B6-F791-F503-284FA62CB534}"/>
               </a:ext>
             </a:extLst>
           </p:cNvPr>
@@ -4469,7 +5139,7 @@
           <a:p>
             <a:r>
               <a:rPr lang="pl-PL" dirty="0"/>
-              <a:t>Use-cases</a:t>
+              <a:t>Zewnętrzne API</a:t>
             </a:r>
           </a:p>
         </p:txBody>
@@ -4479,7 +5149,7 @@
           <p:cNvPr id="3" name="Symbol zastępczy zawartości 2">
             <a:extLst>
               <a:ext uri="{FF2B5EF4-FFF2-40B4-BE49-F238E27FC236}">
-                <a16:creationId xmlns:a16="http://schemas.microsoft.com/office/drawing/2014/main" id="{65E24542-8DB6-9C71-C3A0-860C7E1DDF8A}"/>
+                <a16:creationId xmlns:a16="http://schemas.microsoft.com/office/drawing/2014/main" id="{5610E362-AA38-A025-73E1-3FD9D4B78E10}"/>
               </a:ext>
             </a:extLst>
           </p:cNvPr>
@@ -4497,7 +5167,31 @@
           <a:p>
             <a:r>
               <a:rPr lang="pl-PL" dirty="0"/>
-              <a:t>Diagram 1</a:t>
+              <a:t>Google </a:t>
+            </a:r>
+            <a:r>
+              <a:rPr lang="pl-PL" dirty="0" err="1"/>
+              <a:t>maps</a:t>
+            </a:r>
+            <a:r>
+              <a:rPr lang="pl-PL" dirty="0"/>
+              <a:t> API</a:t>
+            </a:r>
+          </a:p>
+          <a:p>
+            <a:r>
+              <a:rPr lang="pl-PL" dirty="0" err="1"/>
+              <a:t>Spotify</a:t>
+            </a:r>
+            <a:r>
+              <a:rPr lang="pl-PL" dirty="0"/>
+              <a:t> API</a:t>
+            </a:r>
+          </a:p>
+          <a:p>
+            <a:r>
+              <a:rPr lang="pl-PL" dirty="0"/>
+              <a:t>Logowanie przez Google</a:t>
             </a:r>
           </a:p>
         </p:txBody>
@@ -4505,7 +5199,7 @@
     </p:spTree>
     <p:extLst>
       <p:ext uri="{BB962C8B-B14F-4D97-AF65-F5344CB8AC3E}">
-        <p14:creationId xmlns:p14="http://schemas.microsoft.com/office/powerpoint/2010/main" val="2413161286"/>
+        <p14:creationId xmlns:p14="http://schemas.microsoft.com/office/powerpoint/2010/main" val="2171882902"/>
       </p:ext>
     </p:extLst>
   </p:cSld>
@@ -4537,7 +5231,7 @@
           <p:cNvPr id="2" name="Tytuł 1">
             <a:extLst>
               <a:ext uri="{FF2B5EF4-FFF2-40B4-BE49-F238E27FC236}">
-                <a16:creationId xmlns:a16="http://schemas.microsoft.com/office/drawing/2014/main" id="{9F4C87BC-747C-B6AB-EEE7-AE2B086226F6}"/>
+                <a16:creationId xmlns:a16="http://schemas.microsoft.com/office/drawing/2014/main" id="{F987A124-548C-854D-C77B-5428BE95A5DB}"/>
               </a:ext>
             </a:extLst>
           </p:cNvPr>
@@ -4560,38 +5254,38 @@
           </a:p>
         </p:txBody>
       </p:sp>
-      <p:sp>
-        <p:nvSpPr>
-          <p:cNvPr id="3" name="Symbol zastępczy zawartości 2">
+      <p:pic>
+        <p:nvPicPr>
+          <p:cNvPr id="5" name="Symbol zastępczy zawartości 4">
             <a:extLst>
               <a:ext uri="{FF2B5EF4-FFF2-40B4-BE49-F238E27FC236}">
-                <a16:creationId xmlns:a16="http://schemas.microsoft.com/office/drawing/2014/main" id="{2DA43348-B8CF-4807-CD7C-C1584049ADC3}"/>
+                <a16:creationId xmlns:a16="http://schemas.microsoft.com/office/drawing/2014/main" id="{894E38EB-AA04-B06E-46AB-7EE0145B1BE1}"/>
               </a:ext>
             </a:extLst>
           </p:cNvPr>
-          <p:cNvSpPr>
-            <a:spLocks noGrp="1"/>
-          </p:cNvSpPr>
+          <p:cNvPicPr>
+            <a:picLocks noGrp="1" noChangeAspect="1"/>
+          </p:cNvPicPr>
           <p:nvPr>
             <p:ph idx="1"/>
           </p:nvPr>
-        </p:nvSpPr>
-        <p:spPr/>
-        <p:txBody>
-          <a:bodyPr/>
-          <a:lstStyle/>
-          <a:p>
-            <a:r>
-              <a:rPr lang="pl-PL" dirty="0"/>
-              <a:t>Diagram 2</a:t>
-            </a:r>
-          </a:p>
-        </p:txBody>
-      </p:sp>
+        </p:nvPicPr>
+        <p:blipFill>
+          <a:blip r:embed="rId2"/>
+          <a:srcRect/>
+          <a:stretch/>
+        </p:blipFill>
+        <p:spPr>
+          <a:xfrm>
+            <a:off x="2597044" y="1428750"/>
+            <a:ext cx="7150311" cy="4743450"/>
+          </a:xfrm>
+        </p:spPr>
+      </p:pic>
     </p:spTree>
     <p:extLst>
       <p:ext uri="{BB962C8B-B14F-4D97-AF65-F5344CB8AC3E}">
-        <p14:creationId xmlns:p14="http://schemas.microsoft.com/office/powerpoint/2010/main" val="2204509972"/>
+        <p14:creationId xmlns:p14="http://schemas.microsoft.com/office/powerpoint/2010/main" val="2413161286"/>
       </p:ext>
     </p:extLst>
   </p:cSld>
@@ -4623,7 +5317,7 @@
           <p:cNvPr id="2" name="Tytuł 1">
             <a:extLst>
               <a:ext uri="{FF2B5EF4-FFF2-40B4-BE49-F238E27FC236}">
-                <a16:creationId xmlns:a16="http://schemas.microsoft.com/office/drawing/2014/main" id="{BB609AEE-CF96-9152-4B9E-E56298827B94}"/>
+                <a16:creationId xmlns:a16="http://schemas.microsoft.com/office/drawing/2014/main" id="{9F4C87BC-747C-B6AB-EEE7-AE2B086226F6}"/>
               </a:ext>
             </a:extLst>
           </p:cNvPr>
@@ -4640,41 +5334,45 @@
           <a:lstStyle/>
           <a:p>
             <a:r>
-              <a:rPr lang="pl-PL"/>
-              <a:t>Analiza ryzyka</a:t>
-            </a:r>
-          </a:p>
-        </p:txBody>
-      </p:sp>
-      <p:sp>
-        <p:nvSpPr>
-          <p:cNvPr id="3" name="Symbol zastępczy zawartości 2">
+              <a:rPr lang="pl-PL" dirty="0"/>
+              <a:t>Use-cases</a:t>
+            </a:r>
+          </a:p>
+        </p:txBody>
+      </p:sp>
+      <p:pic>
+        <p:nvPicPr>
+          <p:cNvPr id="7" name="Symbol zastępczy zawartości 6">
             <a:extLst>
               <a:ext uri="{FF2B5EF4-FFF2-40B4-BE49-F238E27FC236}">
-                <a16:creationId xmlns:a16="http://schemas.microsoft.com/office/drawing/2014/main" id="{EC1AAABE-75F6-9818-7C34-A032025831D7}"/>
+                <a16:creationId xmlns:a16="http://schemas.microsoft.com/office/drawing/2014/main" id="{E3231157-68AC-5EDB-76F1-4A8E6D7FA9A8}"/>
               </a:ext>
             </a:extLst>
           </p:cNvPr>
-          <p:cNvSpPr>
-            <a:spLocks noGrp="1"/>
-          </p:cNvSpPr>
+          <p:cNvPicPr>
+            <a:picLocks noGrp="1" noChangeAspect="1"/>
+          </p:cNvPicPr>
           <p:nvPr>
             <p:ph idx="1"/>
           </p:nvPr>
-        </p:nvSpPr>
-        <p:spPr/>
-        <p:txBody>
-          <a:bodyPr/>
-          <a:lstStyle/>
-          <a:p>
-            <a:endParaRPr lang="pl-PL"/>
-          </a:p>
-        </p:txBody>
-      </p:sp>
+        </p:nvPicPr>
+        <p:blipFill>
+          <a:blip r:embed="rId2"/>
+          <a:stretch>
+            <a:fillRect/>
+          </a:stretch>
+        </p:blipFill>
+        <p:spPr>
+          <a:xfrm>
+            <a:off x="1876464" y="1428750"/>
+            <a:ext cx="8439072" cy="4746978"/>
+          </a:xfrm>
+        </p:spPr>
+      </p:pic>
     </p:spTree>
     <p:extLst>
       <p:ext uri="{BB962C8B-B14F-4D97-AF65-F5344CB8AC3E}">
-        <p14:creationId xmlns:p14="http://schemas.microsoft.com/office/powerpoint/2010/main" val="755169699"/>
+        <p14:creationId xmlns:p14="http://schemas.microsoft.com/office/powerpoint/2010/main" val="2204509972"/>
       </p:ext>
     </p:extLst>
   </p:cSld>

--- a/EduResources/PrezentacjaInżynieria1.pptx
+++ b/EduResources/PrezentacjaInżynieria1.pptx
@@ -292,7 +292,7 @@
             <a:fld id="{87DE6118-2437-4B30-8E3C-4D2BE6020583}" type="datetimeFigureOut">
               <a:rPr lang="en-US" dirty="0"/>
               <a:pPr/>
-              <a:t>10/25/22</a:t>
+              <a:t>10/26/22</a:t>
             </a:fld>
             <a:endParaRPr lang="en-US" dirty="0"/>
           </a:p>
@@ -618,7 +618,7 @@
           <a:p>
             <a:fld id="{87DE6118-2437-4B30-8E3C-4D2BE6020583}" type="datetimeFigureOut">
               <a:rPr lang="en-US" dirty="0"/>
-              <a:t>10/25/22</a:t>
+              <a:t>10/26/22</a:t>
             </a:fld>
             <a:endParaRPr lang="en-US" dirty="0"/>
           </a:p>
@@ -793,7 +793,7 @@
           <a:p>
             <a:fld id="{87DE6118-2437-4B30-8E3C-4D2BE6020583}" type="datetimeFigureOut">
               <a:rPr lang="en-US" dirty="0"/>
-              <a:t>10/25/22</a:t>
+              <a:t>10/26/22</a:t>
             </a:fld>
             <a:endParaRPr lang="en-US" dirty="0"/>
           </a:p>
@@ -958,7 +958,7 @@
           <a:p>
             <a:fld id="{87DE6118-2437-4B30-8E3C-4D2BE6020583}" type="datetimeFigureOut">
               <a:rPr lang="en-US" dirty="0"/>
-              <a:t>10/25/22</a:t>
+              <a:t>10/26/22</a:t>
             </a:fld>
             <a:endParaRPr lang="en-US" dirty="0"/>
           </a:p>
@@ -1231,7 +1231,7 @@
             <a:fld id="{87DE6118-2437-4B30-8E3C-4D2BE6020583}" type="datetimeFigureOut">
               <a:rPr lang="en-US" dirty="0"/>
               <a:pPr/>
-              <a:t>10/25/22</a:t>
+              <a:t>10/26/22</a:t>
             </a:fld>
             <a:endParaRPr lang="en-US" dirty="0"/>
           </a:p>
@@ -1621,7 +1621,7 @@
           <a:p>
             <a:fld id="{87DE6118-2437-4B30-8E3C-4D2BE6020583}" type="datetimeFigureOut">
               <a:rPr lang="en-US" dirty="0"/>
-              <a:t>10/25/22</a:t>
+              <a:t>10/26/22</a:t>
             </a:fld>
             <a:endParaRPr lang="en-US" dirty="0"/>
           </a:p>
@@ -2093,7 +2093,7 @@
           <a:p>
             <a:fld id="{87DE6118-2437-4B30-8E3C-4D2BE6020583}" type="datetimeFigureOut">
               <a:rPr lang="en-US" dirty="0"/>
-              <a:t>10/25/22</a:t>
+              <a:t>10/26/22</a:t>
             </a:fld>
             <a:endParaRPr lang="en-US" dirty="0"/>
           </a:p>
@@ -2206,7 +2206,7 @@
           <a:p>
             <a:fld id="{87DE6118-2437-4B30-8E3C-4D2BE6020583}" type="datetimeFigureOut">
               <a:rPr lang="en-US" dirty="0"/>
-              <a:t>10/25/22</a:t>
+              <a:t>10/26/22</a:t>
             </a:fld>
             <a:endParaRPr lang="en-US" dirty="0"/>
           </a:p>
@@ -2296,7 +2296,7 @@
           <a:p>
             <a:fld id="{87DE6118-2437-4B30-8E3C-4D2BE6020583}" type="datetimeFigureOut">
               <a:rPr lang="en-US" dirty="0"/>
-              <a:t>10/25/22</a:t>
+              <a:t>10/26/22</a:t>
             </a:fld>
             <a:endParaRPr lang="en-US" dirty="0"/>
           </a:p>
@@ -2638,7 +2638,7 @@
             <a:fld id="{87DE6118-2437-4B30-8E3C-4D2BE6020583}" type="datetimeFigureOut">
               <a:rPr lang="en-US" dirty="0"/>
               <a:pPr/>
-              <a:t>10/25/22</a:t>
+              <a:t>10/26/22</a:t>
             </a:fld>
             <a:endParaRPr lang="en-US" dirty="0"/>
           </a:p>
@@ -3023,7 +3023,7 @@
             <a:fld id="{87DE6118-2437-4B30-8E3C-4D2BE6020583}" type="datetimeFigureOut">
               <a:rPr lang="en-US" dirty="0"/>
               <a:pPr/>
-              <a:t>10/25/22</a:t>
+              <a:t>10/26/22</a:t>
             </a:fld>
             <a:endParaRPr lang="en-US" dirty="0"/>
           </a:p>
@@ -3298,7 +3298,7 @@
             <a:fld id="{87DE6118-2437-4B30-8E3C-4D2BE6020583}" type="datetimeFigureOut">
               <a:rPr lang="en-US" dirty="0"/>
               <a:pPr/>
-              <a:t>10/25/22</a:t>
+              <a:t>10/26/22</a:t>
             </a:fld>
             <a:endParaRPr lang="en-US" dirty="0"/>
           </a:p>
@@ -4877,34 +4877,35 @@
           </a:p>
         </p:txBody>
       </p:sp>
-      <p:sp>
-        <p:nvSpPr>
-          <p:cNvPr id="3" name="Symbol zastępczy zawartości 2">
+      <p:pic>
+        <p:nvPicPr>
+          <p:cNvPr id="5" name="Symbol zastępczy zawartości 4">
             <a:extLst>
               <a:ext uri="{FF2B5EF4-FFF2-40B4-BE49-F238E27FC236}">
-                <a16:creationId xmlns:a16="http://schemas.microsoft.com/office/drawing/2014/main" id="{588AECF6-9278-9E8C-E7C2-A3B517118EC8}"/>
+                <a16:creationId xmlns:a16="http://schemas.microsoft.com/office/drawing/2014/main" id="{C60CC183-DFBE-C37E-F63F-75D1C2A31E3A}"/>
               </a:ext>
             </a:extLst>
           </p:cNvPr>
-          <p:cNvSpPr>
-            <a:spLocks noGrp="1"/>
-          </p:cNvSpPr>
+          <p:cNvPicPr>
+            <a:picLocks noGrp="1" noChangeAspect="1"/>
+          </p:cNvPicPr>
           <p:nvPr>
             <p:ph idx="1"/>
           </p:nvPr>
-        </p:nvSpPr>
-        <p:spPr/>
-        <p:txBody>
-          <a:bodyPr/>
-          <a:lstStyle/>
-          <a:p>
-            <a:r>
-              <a:rPr lang="pl-PL" dirty="0"/>
-              <a:t>Krystian</a:t>
-            </a:r>
-          </a:p>
-        </p:txBody>
-      </p:sp>
+        </p:nvPicPr>
+        <p:blipFill>
+          <a:blip r:embed="rId2"/>
+          <a:stretch>
+            <a:fillRect/>
+          </a:stretch>
+        </p:blipFill>
+        <p:spPr>
+          <a:xfrm>
+            <a:off x="1854083" y="1961474"/>
+            <a:ext cx="8483833" cy="4210726"/>
+          </a:xfrm>
+        </p:spPr>
+      </p:pic>
     </p:spTree>
     <p:extLst>
       <p:ext uri="{BB962C8B-B14F-4D97-AF65-F5344CB8AC3E}">
@@ -5081,7 +5082,7 @@
         </p:blipFill>
         <p:spPr>
           <a:xfrm>
-            <a:off x="2079172" y="1567543"/>
+            <a:off x="2079172" y="1567544"/>
             <a:ext cx="8186056" cy="4604656"/>
           </a:xfrm>
         </p:spPr>
@@ -5364,7 +5365,7 @@
         </p:blipFill>
         <p:spPr>
           <a:xfrm>
-            <a:off x="1876464" y="1428750"/>
+            <a:off x="1876464" y="1425222"/>
             <a:ext cx="8439072" cy="4746978"/>
           </a:xfrm>
         </p:spPr>
